--- a/figures/Ex Fig 8.pptx
+++ b/figures/Ex Fig 8.pptx
@@ -8,8 +8,8 @@
     <p:notesMasterId r:id="rId4"/>
   </p:notesMasterIdLst>
   <p:sldIdLst>
-    <p:sldId id="260" r:id="rId2"/>
-    <p:sldId id="261" r:id="rId3"/>
+    <p:sldId id="261" r:id="rId2"/>
+    <p:sldId id="260" r:id="rId3"/>
   </p:sldIdLst>
   <p:sldSz cx="13320713" cy="8999538"/>
   <p:notesSz cx="6858000" cy="9144000"/>
@@ -544,7 +544,7 @@
     </p:spTree>
     <p:extLst>
       <p:ext uri="{BB962C8B-B14F-4D97-AF65-F5344CB8AC3E}">
-        <p14:creationId xmlns:p14="http://schemas.microsoft.com/office/powerpoint/2010/main" val="2848176150"/>
+        <p14:creationId xmlns:p14="http://schemas.microsoft.com/office/powerpoint/2010/main" val="863955766"/>
       </p:ext>
     </p:extLst>
   </p:cSld>
@@ -633,7 +633,7 @@
     </p:spTree>
     <p:extLst>
       <p:ext uri="{BB962C8B-B14F-4D97-AF65-F5344CB8AC3E}">
-        <p14:creationId xmlns:p14="http://schemas.microsoft.com/office/powerpoint/2010/main" val="863955766"/>
+        <p14:creationId xmlns:p14="http://schemas.microsoft.com/office/powerpoint/2010/main" val="2848176150"/>
       </p:ext>
     </p:extLst>
   </p:cSld>
@@ -3520,12 +3520,12 @@
         </p:nvPicPr>
         <p:blipFill>
           <a:blip r:embed="rId3"/>
-          <a:srcRect t="3591" b="1"/>
+          <a:srcRect t="1796" b="1796"/>
           <a:stretch/>
         </p:blipFill>
         <p:spPr>
           <a:xfrm>
-            <a:off x="1260356" y="1894998"/>
+            <a:off x="1260356" y="1880484"/>
             <a:ext cx="10800000" cy="2863345"/>
           </a:xfrm>
           <a:prstGeom prst="rect">
@@ -3549,13 +3549,13 @@
         </p:nvPicPr>
         <p:blipFill>
           <a:blip r:embed="rId4"/>
-          <a:srcRect t="11385"/>
+          <a:srcRect t="15757" b="5693"/>
           <a:stretch/>
         </p:blipFill>
         <p:spPr>
           <a:xfrm>
-            <a:off x="1138161" y="4855527"/>
-            <a:ext cx="10958980" cy="2670594"/>
+            <a:off x="0" y="4877793"/>
+            <a:ext cx="12097141" cy="2613170"/>
           </a:xfrm>
           <a:prstGeom prst="rect">
             <a:avLst/>
@@ -3955,7 +3955,7 @@
     </p:spTree>
     <p:extLst>
       <p:ext uri="{BB962C8B-B14F-4D97-AF65-F5344CB8AC3E}">
-        <p14:creationId xmlns:p14="http://schemas.microsoft.com/office/powerpoint/2010/main" val="4274700107"/>
+        <p14:creationId xmlns:p14="http://schemas.microsoft.com/office/powerpoint/2010/main" val="1276920188"/>
       </p:ext>
     </p:extLst>
   </p:cSld>
@@ -3998,12 +3998,12 @@
         </p:nvPicPr>
         <p:blipFill>
           <a:blip r:embed="rId3"/>
-          <a:srcRect t="3591" b="1"/>
+          <a:srcRect t="1796" b="1796"/>
           <a:stretch/>
         </p:blipFill>
         <p:spPr>
           <a:xfrm>
-            <a:off x="1260356" y="1894998"/>
+            <a:off x="1260356" y="1880484"/>
             <a:ext cx="10800000" cy="2863345"/>
           </a:xfrm>
           <a:prstGeom prst="rect">
@@ -4027,13 +4027,13 @@
         </p:nvPicPr>
         <p:blipFill>
           <a:blip r:embed="rId4"/>
-          <a:srcRect t="15757" b="5693"/>
+          <a:srcRect t="11385"/>
           <a:stretch/>
         </p:blipFill>
         <p:spPr>
           <a:xfrm>
-            <a:off x="0" y="4877793"/>
-            <a:ext cx="12097141" cy="2613170"/>
+            <a:off x="1138161" y="4855527"/>
+            <a:ext cx="10958980" cy="2670594"/>
           </a:xfrm>
           <a:prstGeom prst="rect">
             <a:avLst/>
@@ -4433,7 +4433,7 @@
     </p:spTree>
     <p:extLst>
       <p:ext uri="{BB962C8B-B14F-4D97-AF65-F5344CB8AC3E}">
-        <p14:creationId xmlns:p14="http://schemas.microsoft.com/office/powerpoint/2010/main" val="1276920188"/>
+        <p14:creationId xmlns:p14="http://schemas.microsoft.com/office/powerpoint/2010/main" val="4274700107"/>
       </p:ext>
     </p:extLst>
   </p:cSld>

--- a/figures/Ex Fig 8.pptx
+++ b/figures/Ex Fig 8.pptx
@@ -198,7 +198,7 @@
           <a:p>
             <a:fld id="{B19977C2-3852-6343-8FB6-75798599EF47}" type="datetimeFigureOut">
               <a:rPr lang="en-US" smtClean="0"/>
-              <a:t>9/5/24</a:t>
+              <a:t>9/12/24</a:t>
             </a:fld>
             <a:endParaRPr lang="en-US"/>
           </a:p>
@@ -774,7 +774,7 @@
           <a:p>
             <a:fld id="{49D16157-31ED-214D-A6E8-583A2FDE31BF}" type="datetimeFigureOut">
               <a:rPr lang="en-US" smtClean="0"/>
-              <a:t>9/5/24</a:t>
+              <a:t>9/12/24</a:t>
             </a:fld>
             <a:endParaRPr lang="en-US"/>
           </a:p>
@@ -944,7 +944,7 @@
           <a:p>
             <a:fld id="{49D16157-31ED-214D-A6E8-583A2FDE31BF}" type="datetimeFigureOut">
               <a:rPr lang="en-US" smtClean="0"/>
-              <a:t>9/5/24</a:t>
+              <a:t>9/12/24</a:t>
             </a:fld>
             <a:endParaRPr lang="en-US"/>
           </a:p>
@@ -1124,7 +1124,7 @@
           <a:p>
             <a:fld id="{49D16157-31ED-214D-A6E8-583A2FDE31BF}" type="datetimeFigureOut">
               <a:rPr lang="en-US" smtClean="0"/>
-              <a:t>9/5/24</a:t>
+              <a:t>9/12/24</a:t>
             </a:fld>
             <a:endParaRPr lang="en-US"/>
           </a:p>
@@ -1294,7 +1294,7 @@
           <a:p>
             <a:fld id="{49D16157-31ED-214D-A6E8-583A2FDE31BF}" type="datetimeFigureOut">
               <a:rPr lang="en-US" smtClean="0"/>
-              <a:t>9/5/24</a:t>
+              <a:t>9/12/24</a:t>
             </a:fld>
             <a:endParaRPr lang="en-US"/>
           </a:p>
@@ -1540,7 +1540,7 @@
           <a:p>
             <a:fld id="{49D16157-31ED-214D-A6E8-583A2FDE31BF}" type="datetimeFigureOut">
               <a:rPr lang="en-US" smtClean="0"/>
-              <a:t>9/5/24</a:t>
+              <a:t>9/12/24</a:t>
             </a:fld>
             <a:endParaRPr lang="en-US"/>
           </a:p>
@@ -1772,7 +1772,7 @@
           <a:p>
             <a:fld id="{49D16157-31ED-214D-A6E8-583A2FDE31BF}" type="datetimeFigureOut">
               <a:rPr lang="en-US" smtClean="0"/>
-              <a:t>9/5/24</a:t>
+              <a:t>9/12/24</a:t>
             </a:fld>
             <a:endParaRPr lang="en-US"/>
           </a:p>
@@ -2139,7 +2139,7 @@
           <a:p>
             <a:fld id="{49D16157-31ED-214D-A6E8-583A2FDE31BF}" type="datetimeFigureOut">
               <a:rPr lang="en-US" smtClean="0"/>
-              <a:t>9/5/24</a:t>
+              <a:t>9/12/24</a:t>
             </a:fld>
             <a:endParaRPr lang="en-US"/>
           </a:p>
@@ -2257,7 +2257,7 @@
           <a:p>
             <a:fld id="{49D16157-31ED-214D-A6E8-583A2FDE31BF}" type="datetimeFigureOut">
               <a:rPr lang="en-US" smtClean="0"/>
-              <a:t>9/5/24</a:t>
+              <a:t>9/12/24</a:t>
             </a:fld>
             <a:endParaRPr lang="en-US"/>
           </a:p>
@@ -2352,7 +2352,7 @@
           <a:p>
             <a:fld id="{49D16157-31ED-214D-A6E8-583A2FDE31BF}" type="datetimeFigureOut">
               <a:rPr lang="en-US" smtClean="0"/>
-              <a:t>9/5/24</a:t>
+              <a:t>9/12/24</a:t>
             </a:fld>
             <a:endParaRPr lang="en-US"/>
           </a:p>
@@ -2629,7 +2629,7 @@
           <a:p>
             <a:fld id="{49D16157-31ED-214D-A6E8-583A2FDE31BF}" type="datetimeFigureOut">
               <a:rPr lang="en-US" smtClean="0"/>
-              <a:t>9/5/24</a:t>
+              <a:t>9/12/24</a:t>
             </a:fld>
             <a:endParaRPr lang="en-US"/>
           </a:p>
@@ -2886,7 +2886,7 @@
           <a:p>
             <a:fld id="{49D16157-31ED-214D-A6E8-583A2FDE31BF}" type="datetimeFigureOut">
               <a:rPr lang="en-US" smtClean="0"/>
-              <a:t>9/5/24</a:t>
+              <a:t>9/12/24</a:t>
             </a:fld>
             <a:endParaRPr lang="en-US"/>
           </a:p>
@@ -3099,7 +3099,7 @@
           <a:p>
             <a:fld id="{49D16157-31ED-214D-A6E8-583A2FDE31BF}" type="datetimeFigureOut">
               <a:rPr lang="en-US" smtClean="0"/>
-              <a:t>9/5/24</a:t>
+              <a:t>9/12/24</a:t>
             </a:fld>
             <a:endParaRPr lang="en-US"/>
           </a:p>
@@ -3549,13 +3549,13 @@
         </p:nvPicPr>
         <p:blipFill>
           <a:blip r:embed="rId4"/>
-          <a:srcRect t="15757" b="5693"/>
+          <a:srcRect t="15209" b="7766"/>
           <a:stretch/>
         </p:blipFill>
         <p:spPr>
           <a:xfrm>
-            <a:off x="0" y="4877793"/>
-            <a:ext cx="12097141" cy="2613170"/>
+            <a:off x="0" y="4855134"/>
+            <a:ext cx="12097141" cy="2562352"/>
           </a:xfrm>
           <a:prstGeom prst="rect">
             <a:avLst/>
@@ -3576,7 +3576,7 @@
         </p:nvSpPr>
         <p:spPr>
           <a:xfrm>
-            <a:off x="2167829" y="1894998"/>
+            <a:off x="2167829" y="1695702"/>
             <a:ext cx="255199" cy="246221"/>
           </a:xfrm>
           <a:prstGeom prst="rect">
@@ -3615,7 +3615,7 @@
         </p:nvSpPr>
         <p:spPr>
           <a:xfrm>
-            <a:off x="4622099" y="1894998"/>
+            <a:off x="4622099" y="1695702"/>
             <a:ext cx="263214" cy="246221"/>
           </a:xfrm>
           <a:prstGeom prst="rect">
@@ -3654,7 +3654,7 @@
         </p:nvSpPr>
         <p:spPr>
           <a:xfrm>
-            <a:off x="7051256" y="1894998"/>
+            <a:off x="7051256" y="1695702"/>
             <a:ext cx="255199" cy="246221"/>
           </a:xfrm>
           <a:prstGeom prst="rect">
@@ -3693,7 +3693,7 @@
         </p:nvSpPr>
         <p:spPr>
           <a:xfrm>
-            <a:off x="9288584" y="1894998"/>
+            <a:off x="9288584" y="1695702"/>
             <a:ext cx="263214" cy="246221"/>
           </a:xfrm>
           <a:prstGeom prst="rect">
@@ -3732,7 +3732,7 @@
         </p:nvSpPr>
         <p:spPr>
           <a:xfrm>
-            <a:off x="10604558" y="1894998"/>
+            <a:off x="10604558" y="1695701"/>
             <a:ext cx="255199" cy="246221"/>
           </a:xfrm>
           <a:prstGeom prst="rect">
@@ -3952,6 +3952,472 @@
           </a:p>
         </p:txBody>
       </p:sp>
+      <p:sp>
+        <p:nvSpPr>
+          <p:cNvPr id="2" name="TextBox 1">
+            <a:extLst>
+              <a:ext uri="{FF2B5EF4-FFF2-40B4-BE49-F238E27FC236}">
+                <a16:creationId xmlns:a16="http://schemas.microsoft.com/office/drawing/2014/main" id="{9E88F278-DB05-8319-1235-32D569759815}"/>
+              </a:ext>
+            </a:extLst>
+          </p:cNvPr>
+          <p:cNvSpPr txBox="1"/>
+          <p:nvPr/>
+        </p:nvSpPr>
+        <p:spPr>
+          <a:xfrm>
+            <a:off x="4781962" y="1951359"/>
+            <a:ext cx="380232" cy="200055"/>
+          </a:xfrm>
+          <a:prstGeom prst="rect">
+            <a:avLst/>
+          </a:prstGeom>
+          <a:noFill/>
+        </p:spPr>
+        <p:txBody>
+          <a:bodyPr wrap="none" rtlCol="0">
+            <a:spAutoFit/>
+          </a:bodyPr>
+          <a:lstStyle/>
+          <a:p>
+            <a:r>
+              <a:rPr lang="en-US" sz="700" dirty="0">
+                <a:solidFill>
+                  <a:srgbClr val="F1807F"/>
+                </a:solidFill>
+                <a:latin typeface="Arial" panose="020B0604020202020204" pitchFamily="34" charset="0"/>
+                <a:cs typeface="Arial" panose="020B0604020202020204" pitchFamily="34" charset="0"/>
+              </a:rPr>
+              <a:t>Over</a:t>
+            </a:r>
+          </a:p>
+        </p:txBody>
+      </p:sp>
+      <p:sp>
+        <p:nvSpPr>
+          <p:cNvPr id="3" name="TextBox 2">
+            <a:extLst>
+              <a:ext uri="{FF2B5EF4-FFF2-40B4-BE49-F238E27FC236}">
+                <a16:creationId xmlns:a16="http://schemas.microsoft.com/office/drawing/2014/main" id="{2A95684A-DE64-AED1-3A9F-E82DC6483170}"/>
+              </a:ext>
+            </a:extLst>
+          </p:cNvPr>
+          <p:cNvSpPr txBox="1"/>
+          <p:nvPr/>
+        </p:nvSpPr>
+        <p:spPr>
+          <a:xfrm>
+            <a:off x="6232034" y="1955678"/>
+            <a:ext cx="428322" cy="200055"/>
+          </a:xfrm>
+          <a:prstGeom prst="rect">
+            <a:avLst/>
+          </a:prstGeom>
+          <a:noFill/>
+        </p:spPr>
+        <p:txBody>
+          <a:bodyPr wrap="none" rtlCol="0">
+            <a:spAutoFit/>
+          </a:bodyPr>
+          <a:lstStyle/>
+          <a:p>
+            <a:r>
+              <a:rPr lang="en-US" sz="700" dirty="0">
+                <a:solidFill>
+                  <a:srgbClr val="7B68EE"/>
+                </a:solidFill>
+                <a:latin typeface="Arial" panose="020B0604020202020204" pitchFamily="34" charset="0"/>
+                <a:cs typeface="Arial" panose="020B0604020202020204" pitchFamily="34" charset="0"/>
+              </a:rPr>
+              <a:t>Under</a:t>
+            </a:r>
+          </a:p>
+        </p:txBody>
+      </p:sp>
+      <p:cxnSp>
+        <p:nvCxnSpPr>
+          <p:cNvPr id="4" name="Straight Arrow Connector 3">
+            <a:extLst>
+              <a:ext uri="{FF2B5EF4-FFF2-40B4-BE49-F238E27FC236}">
+                <a16:creationId xmlns:a16="http://schemas.microsoft.com/office/drawing/2014/main" id="{E4C79E26-C7FC-F239-2F61-7A8C766CD698}"/>
+              </a:ext>
+            </a:extLst>
+          </p:cNvPr>
+          <p:cNvCxnSpPr>
+            <a:cxnSpLocks/>
+          </p:cNvCxnSpPr>
+          <p:nvPr/>
+        </p:nvCxnSpPr>
+        <p:spPr>
+          <a:xfrm>
+            <a:off x="6624368" y="2057593"/>
+            <a:ext cx="199354" cy="0"/>
+          </a:xfrm>
+          <a:prstGeom prst="straightConnector1">
+            <a:avLst/>
+          </a:prstGeom>
+          <a:ln w="9525">
+            <a:solidFill>
+              <a:srgbClr val="7B68EE"/>
+            </a:solidFill>
+            <a:tailEnd type="triangle" w="sm" len="sm"/>
+          </a:ln>
+        </p:spPr>
+        <p:style>
+          <a:lnRef idx="2">
+            <a:schemeClr val="dk1"/>
+          </a:lnRef>
+          <a:fillRef idx="0">
+            <a:schemeClr val="dk1"/>
+          </a:fillRef>
+          <a:effectRef idx="1">
+            <a:schemeClr val="dk1"/>
+          </a:effectRef>
+          <a:fontRef idx="minor">
+            <a:schemeClr val="tx1"/>
+          </a:fontRef>
+        </p:style>
+      </p:cxnSp>
+      <p:cxnSp>
+        <p:nvCxnSpPr>
+          <p:cNvPr id="5" name="Straight Arrow Connector 4">
+            <a:extLst>
+              <a:ext uri="{FF2B5EF4-FFF2-40B4-BE49-F238E27FC236}">
+                <a16:creationId xmlns:a16="http://schemas.microsoft.com/office/drawing/2014/main" id="{361D444B-45C9-3B16-C088-84A559E484E5}"/>
+              </a:ext>
+            </a:extLst>
+          </p:cNvPr>
+          <p:cNvCxnSpPr>
+            <a:cxnSpLocks/>
+          </p:cNvCxnSpPr>
+          <p:nvPr/>
+        </p:nvCxnSpPr>
+        <p:spPr>
+          <a:xfrm rot="10800000">
+            <a:off x="4598533" y="2057593"/>
+            <a:ext cx="199354" cy="0"/>
+          </a:xfrm>
+          <a:prstGeom prst="straightConnector1">
+            <a:avLst/>
+          </a:prstGeom>
+          <a:ln w="9525">
+            <a:solidFill>
+              <a:srgbClr val="F1807F"/>
+            </a:solidFill>
+            <a:tailEnd type="triangle" w="sm" len="sm"/>
+          </a:ln>
+        </p:spPr>
+        <p:style>
+          <a:lnRef idx="2">
+            <a:schemeClr val="dk1"/>
+          </a:lnRef>
+          <a:fillRef idx="0">
+            <a:schemeClr val="dk1"/>
+          </a:fillRef>
+          <a:effectRef idx="1">
+            <a:schemeClr val="dk1"/>
+          </a:effectRef>
+          <a:fontRef idx="minor">
+            <a:schemeClr val="tx1"/>
+          </a:fontRef>
+        </p:style>
+      </p:cxnSp>
+      <p:sp>
+        <p:nvSpPr>
+          <p:cNvPr id="6" name="TextBox 5">
+            <a:extLst>
+              <a:ext uri="{FF2B5EF4-FFF2-40B4-BE49-F238E27FC236}">
+                <a16:creationId xmlns:a16="http://schemas.microsoft.com/office/drawing/2014/main" id="{EFC87448-049D-12E3-954B-570A1E64B3E0}"/>
+              </a:ext>
+            </a:extLst>
+          </p:cNvPr>
+          <p:cNvSpPr txBox="1"/>
+          <p:nvPr/>
+        </p:nvSpPr>
+        <p:spPr>
+          <a:xfrm>
+            <a:off x="2389907" y="1953246"/>
+            <a:ext cx="428322" cy="200055"/>
+          </a:xfrm>
+          <a:prstGeom prst="rect">
+            <a:avLst/>
+          </a:prstGeom>
+          <a:noFill/>
+        </p:spPr>
+        <p:txBody>
+          <a:bodyPr wrap="none" rtlCol="0">
+            <a:spAutoFit/>
+          </a:bodyPr>
+          <a:lstStyle/>
+          <a:p>
+            <a:r>
+              <a:rPr lang="en-US" sz="700" dirty="0">
+                <a:solidFill>
+                  <a:srgbClr val="7B68EE"/>
+                </a:solidFill>
+                <a:latin typeface="Arial" panose="020B0604020202020204" pitchFamily="34" charset="0"/>
+                <a:cs typeface="Arial" panose="020B0604020202020204" pitchFamily="34" charset="0"/>
+              </a:rPr>
+              <a:t>Under</a:t>
+            </a:r>
+          </a:p>
+        </p:txBody>
+      </p:sp>
+      <p:sp>
+        <p:nvSpPr>
+          <p:cNvPr id="7" name="TextBox 6">
+            <a:extLst>
+              <a:ext uri="{FF2B5EF4-FFF2-40B4-BE49-F238E27FC236}">
+                <a16:creationId xmlns:a16="http://schemas.microsoft.com/office/drawing/2014/main" id="{E012CDB5-547E-3594-9565-B5196F048BDF}"/>
+              </a:ext>
+            </a:extLst>
+          </p:cNvPr>
+          <p:cNvSpPr txBox="1"/>
+          <p:nvPr/>
+        </p:nvSpPr>
+        <p:spPr>
+          <a:xfrm>
+            <a:off x="3839979" y="1957565"/>
+            <a:ext cx="380232" cy="200055"/>
+          </a:xfrm>
+          <a:prstGeom prst="rect">
+            <a:avLst/>
+          </a:prstGeom>
+          <a:noFill/>
+        </p:spPr>
+        <p:txBody>
+          <a:bodyPr wrap="none" rtlCol="0">
+            <a:spAutoFit/>
+          </a:bodyPr>
+          <a:lstStyle/>
+          <a:p>
+            <a:r>
+              <a:rPr lang="en-US" sz="700" dirty="0">
+                <a:solidFill>
+                  <a:srgbClr val="F1807F"/>
+                </a:solidFill>
+                <a:latin typeface="Arial" panose="020B0604020202020204" pitchFamily="34" charset="0"/>
+                <a:cs typeface="Arial" panose="020B0604020202020204" pitchFamily="34" charset="0"/>
+              </a:rPr>
+              <a:t>Over</a:t>
+            </a:r>
+          </a:p>
+        </p:txBody>
+      </p:sp>
+      <p:cxnSp>
+        <p:nvCxnSpPr>
+          <p:cNvPr id="8" name="Straight Arrow Connector 7">
+            <a:extLst>
+              <a:ext uri="{FF2B5EF4-FFF2-40B4-BE49-F238E27FC236}">
+                <a16:creationId xmlns:a16="http://schemas.microsoft.com/office/drawing/2014/main" id="{5D8EA933-3976-F68B-3DE0-1453FD7AD639}"/>
+              </a:ext>
+            </a:extLst>
+          </p:cNvPr>
+          <p:cNvCxnSpPr>
+            <a:cxnSpLocks/>
+          </p:cNvCxnSpPr>
+          <p:nvPr/>
+        </p:nvCxnSpPr>
+        <p:spPr>
+          <a:xfrm>
+            <a:off x="4232313" y="2059480"/>
+            <a:ext cx="199354" cy="0"/>
+          </a:xfrm>
+          <a:prstGeom prst="straightConnector1">
+            <a:avLst/>
+          </a:prstGeom>
+          <a:ln w="9525">
+            <a:solidFill>
+              <a:srgbClr val="F1807F"/>
+            </a:solidFill>
+            <a:tailEnd type="triangle" w="sm" len="sm"/>
+          </a:ln>
+        </p:spPr>
+        <p:style>
+          <a:lnRef idx="2">
+            <a:schemeClr val="dk1"/>
+          </a:lnRef>
+          <a:fillRef idx="0">
+            <a:schemeClr val="dk1"/>
+          </a:fillRef>
+          <a:effectRef idx="1">
+            <a:schemeClr val="dk1"/>
+          </a:effectRef>
+          <a:fontRef idx="minor">
+            <a:schemeClr val="tx1"/>
+          </a:fontRef>
+        </p:style>
+      </p:cxnSp>
+      <p:cxnSp>
+        <p:nvCxnSpPr>
+          <p:cNvPr id="10" name="Straight Arrow Connector 9">
+            <a:extLst>
+              <a:ext uri="{FF2B5EF4-FFF2-40B4-BE49-F238E27FC236}">
+                <a16:creationId xmlns:a16="http://schemas.microsoft.com/office/drawing/2014/main" id="{FA864B7B-E27D-A0A5-E6A9-6F5953D5673A}"/>
+              </a:ext>
+            </a:extLst>
+          </p:cNvPr>
+          <p:cNvCxnSpPr>
+            <a:cxnSpLocks/>
+          </p:cNvCxnSpPr>
+          <p:nvPr/>
+        </p:nvCxnSpPr>
+        <p:spPr>
+          <a:xfrm rot="10800000">
+            <a:off x="2206478" y="2059480"/>
+            <a:ext cx="199354" cy="0"/>
+          </a:xfrm>
+          <a:prstGeom prst="straightConnector1">
+            <a:avLst/>
+          </a:prstGeom>
+          <a:ln w="9525">
+            <a:solidFill>
+              <a:srgbClr val="7B68EE"/>
+            </a:solidFill>
+            <a:tailEnd type="triangle" w="sm" len="sm"/>
+          </a:ln>
+        </p:spPr>
+        <p:style>
+          <a:lnRef idx="2">
+            <a:schemeClr val="dk1"/>
+          </a:lnRef>
+          <a:fillRef idx="0">
+            <a:schemeClr val="dk1"/>
+          </a:fillRef>
+          <a:effectRef idx="1">
+            <a:schemeClr val="dk1"/>
+          </a:effectRef>
+          <a:fontRef idx="minor">
+            <a:schemeClr val="tx1"/>
+          </a:fontRef>
+        </p:style>
+      </p:cxnSp>
+      <p:sp>
+        <p:nvSpPr>
+          <p:cNvPr id="11" name="TextBox 10">
+            <a:extLst>
+              <a:ext uri="{FF2B5EF4-FFF2-40B4-BE49-F238E27FC236}">
+                <a16:creationId xmlns:a16="http://schemas.microsoft.com/office/drawing/2014/main" id="{43CD44A2-2548-0BEE-22EE-A35CB5876C29}"/>
+              </a:ext>
+            </a:extLst>
+          </p:cNvPr>
+          <p:cNvSpPr txBox="1"/>
+          <p:nvPr/>
+        </p:nvSpPr>
+        <p:spPr>
+          <a:xfrm>
+            <a:off x="7841791" y="1794970"/>
+            <a:ext cx="570990" cy="200055"/>
+          </a:xfrm>
+          <a:prstGeom prst="rect">
+            <a:avLst/>
+          </a:prstGeom>
+          <a:noFill/>
+        </p:spPr>
+        <p:txBody>
+          <a:bodyPr wrap="none" rtlCol="0">
+            <a:spAutoFit/>
+          </a:bodyPr>
+          <a:lstStyle/>
+          <a:p>
+            <a:r>
+              <a:rPr lang="en-US" sz="700" dirty="0">
+                <a:latin typeface="Arial" panose="020B0604020202020204" pitchFamily="34" charset="0"/>
+                <a:cs typeface="Arial" panose="020B0604020202020204" pitchFamily="34" charset="0"/>
+              </a:rPr>
+              <a:t>Variability</a:t>
+            </a:r>
+          </a:p>
+        </p:txBody>
+      </p:sp>
+      <p:cxnSp>
+        <p:nvCxnSpPr>
+          <p:cNvPr id="12" name="Straight Arrow Connector 11">
+            <a:extLst>
+              <a:ext uri="{FF2B5EF4-FFF2-40B4-BE49-F238E27FC236}">
+                <a16:creationId xmlns:a16="http://schemas.microsoft.com/office/drawing/2014/main" id="{912A3D8B-A742-64D0-BFC7-9A5F63597A49}"/>
+              </a:ext>
+            </a:extLst>
+          </p:cNvPr>
+          <p:cNvCxnSpPr>
+            <a:cxnSpLocks/>
+          </p:cNvCxnSpPr>
+          <p:nvPr/>
+        </p:nvCxnSpPr>
+        <p:spPr>
+          <a:xfrm>
+            <a:off x="8366364" y="1901204"/>
+            <a:ext cx="199354" cy="0"/>
+          </a:xfrm>
+          <a:prstGeom prst="straightConnector1">
+            <a:avLst/>
+          </a:prstGeom>
+          <a:ln w="9525">
+            <a:solidFill>
+              <a:schemeClr val="tx1"/>
+            </a:solidFill>
+            <a:tailEnd type="triangle" w="sm" len="sm"/>
+          </a:ln>
+        </p:spPr>
+        <p:style>
+          <a:lnRef idx="2">
+            <a:schemeClr val="dk1"/>
+          </a:lnRef>
+          <a:fillRef idx="0">
+            <a:schemeClr val="dk1"/>
+          </a:fillRef>
+          <a:effectRef idx="1">
+            <a:schemeClr val="dk1"/>
+          </a:effectRef>
+          <a:fontRef idx="minor">
+            <a:schemeClr val="tx1"/>
+          </a:fontRef>
+        </p:style>
+      </p:cxnSp>
+      <p:cxnSp>
+        <p:nvCxnSpPr>
+          <p:cNvPr id="13" name="Straight Arrow Connector 12">
+            <a:extLst>
+              <a:ext uri="{FF2B5EF4-FFF2-40B4-BE49-F238E27FC236}">
+                <a16:creationId xmlns:a16="http://schemas.microsoft.com/office/drawing/2014/main" id="{FD47F396-053F-A0CE-147E-EF95ECE1B4BB}"/>
+              </a:ext>
+            </a:extLst>
+          </p:cNvPr>
+          <p:cNvCxnSpPr>
+            <a:cxnSpLocks/>
+          </p:cNvCxnSpPr>
+          <p:nvPr/>
+        </p:nvCxnSpPr>
+        <p:spPr>
+          <a:xfrm>
+            <a:off x="7678572" y="1901204"/>
+            <a:ext cx="163219" cy="0"/>
+          </a:xfrm>
+          <a:prstGeom prst="straightConnector1">
+            <a:avLst/>
+          </a:prstGeom>
+          <a:ln w="9525">
+            <a:solidFill>
+              <a:schemeClr val="tx1"/>
+            </a:solidFill>
+            <a:tailEnd type="none" w="sm" len="sm"/>
+          </a:ln>
+        </p:spPr>
+        <p:style>
+          <a:lnRef idx="2">
+            <a:schemeClr val="dk1"/>
+          </a:lnRef>
+          <a:fillRef idx="0">
+            <a:schemeClr val="dk1"/>
+          </a:fillRef>
+          <a:effectRef idx="1">
+            <a:schemeClr val="dk1"/>
+          </a:effectRef>
+          <a:fontRef idx="minor">
+            <a:schemeClr val="tx1"/>
+          </a:fontRef>
+        </p:style>
+      </p:cxnSp>
     </p:spTree>
     <p:extLst>
       <p:ext uri="{BB962C8B-B14F-4D97-AF65-F5344CB8AC3E}">
